--- a/Java 相關/當前困境.pptx
+++ b/Java 相關/當前困境.pptx
@@ -109,6 +109,11 @@
       </a:defRPr>
     </a:lvl9pPr>
   </p:defaultTextStyle>
+  <p:extLst>
+    <p:ext uri="{EFAFB233-063F-42B5-8137-9DF3F51BA10A}">
+      <p15:sldGuideLst xmlns:p15="http://schemas.microsoft.com/office/powerpoint/2012/main"/>
+    </p:ext>
+  </p:extLst>
 </p:presentation>
 </file>
 
@@ -10211,7 +10216,7 @@
           <a:p>
             <a:fld id="{8AAAAF8D-24D6-4DFE-B1B6-A4E2C7FDFD64}" type="datetimeFigureOut">
               <a:rPr lang="zh-TW" altLang="en-US" smtClean="0"/>
-              <a:t>2023/11/8</a:t>
+              <a:t>2023/11/13</a:t>
             </a:fld>
             <a:endParaRPr lang="zh-TW" altLang="en-US"/>
           </a:p>
@@ -10419,7 +10424,7 @@
           <a:p>
             <a:fld id="{8AAAAF8D-24D6-4DFE-B1B6-A4E2C7FDFD64}" type="datetimeFigureOut">
               <a:rPr lang="zh-TW" altLang="en-US" smtClean="0"/>
-              <a:t>2023/11/8</a:t>
+              <a:t>2023/11/13</a:t>
             </a:fld>
             <a:endParaRPr lang="zh-TW" altLang="en-US"/>
           </a:p>
@@ -10675,7 +10680,7 @@
           <a:p>
             <a:fld id="{8AAAAF8D-24D6-4DFE-B1B6-A4E2C7FDFD64}" type="datetimeFigureOut">
               <a:rPr lang="zh-TW" altLang="en-US" smtClean="0"/>
-              <a:t>2023/11/8</a:t>
+              <a:t>2023/11/13</a:t>
             </a:fld>
             <a:endParaRPr lang="zh-TW" altLang="en-US"/>
           </a:p>
@@ -10849,7 +10854,7 @@
           <a:p>
             <a:fld id="{8AAAAF8D-24D6-4DFE-B1B6-A4E2C7FDFD64}" type="datetimeFigureOut">
               <a:rPr lang="zh-TW" altLang="en-US" smtClean="0"/>
-              <a:t>2023/11/8</a:t>
+              <a:t>2023/11/13</a:t>
             </a:fld>
             <a:endParaRPr lang="zh-TW" altLang="en-US"/>
           </a:p>
@@ -11192,7 +11197,7 @@
           <a:p>
             <a:fld id="{8AAAAF8D-24D6-4DFE-B1B6-A4E2C7FDFD64}" type="datetimeFigureOut">
               <a:rPr lang="zh-TW" altLang="en-US" smtClean="0"/>
-              <a:t>2023/11/8</a:t>
+              <a:t>2023/11/13</a:t>
             </a:fld>
             <a:endParaRPr lang="zh-TW" altLang="en-US"/>
           </a:p>
@@ -11467,7 +11472,7 @@
           <a:p>
             <a:fld id="{8AAAAF8D-24D6-4DFE-B1B6-A4E2C7FDFD64}" type="datetimeFigureOut">
               <a:rPr lang="zh-TW" altLang="en-US" smtClean="0"/>
-              <a:t>2023/11/8</a:t>
+              <a:t>2023/11/13</a:t>
             </a:fld>
             <a:endParaRPr lang="zh-TW" altLang="en-US"/>
           </a:p>
@@ -11846,7 +11851,7 @@
           <a:p>
             <a:fld id="{8AAAAF8D-24D6-4DFE-B1B6-A4E2C7FDFD64}" type="datetimeFigureOut">
               <a:rPr lang="zh-TW" altLang="en-US" smtClean="0"/>
-              <a:t>2023/11/8</a:t>
+              <a:t>2023/11/13</a:t>
             </a:fld>
             <a:endParaRPr lang="zh-TW" altLang="en-US"/>
           </a:p>
@@ -11964,7 +11969,7 @@
           <a:p>
             <a:fld id="{8AAAAF8D-24D6-4DFE-B1B6-A4E2C7FDFD64}" type="datetimeFigureOut">
               <a:rPr lang="zh-TW" altLang="en-US" smtClean="0"/>
-              <a:t>2023/11/8</a:t>
+              <a:t>2023/11/13</a:t>
             </a:fld>
             <a:endParaRPr lang="zh-TW" altLang="en-US"/>
           </a:p>
@@ -12135,7 +12140,7 @@
           <a:p>
             <a:fld id="{8AAAAF8D-24D6-4DFE-B1B6-A4E2C7FDFD64}" type="datetimeFigureOut">
               <a:rPr lang="zh-TW" altLang="en-US" smtClean="0"/>
-              <a:t>2023/11/8</a:t>
+              <a:t>2023/11/13</a:t>
             </a:fld>
             <a:endParaRPr lang="zh-TW" altLang="en-US"/>
           </a:p>
@@ -12489,7 +12494,7 @@
           <a:p>
             <a:fld id="{8AAAAF8D-24D6-4DFE-B1B6-A4E2C7FDFD64}" type="datetimeFigureOut">
               <a:rPr lang="zh-TW" altLang="en-US" smtClean="0"/>
-              <a:t>2023/11/8</a:t>
+              <a:t>2023/11/13</a:t>
             </a:fld>
             <a:endParaRPr lang="zh-TW" altLang="en-US"/>
           </a:p>
@@ -12871,7 +12876,7 @@
           <a:p>
             <a:fld id="{8AAAAF8D-24D6-4DFE-B1B6-A4E2C7FDFD64}" type="datetimeFigureOut">
               <a:rPr lang="zh-TW" altLang="en-US" smtClean="0"/>
-              <a:t>2023/11/8</a:t>
+              <a:t>2023/11/13</a:t>
             </a:fld>
             <a:endParaRPr lang="zh-TW" altLang="en-US"/>
           </a:p>
@@ -13158,7 +13163,7 @@
           <a:p>
             <a:fld id="{8AAAAF8D-24D6-4DFE-B1B6-A4E2C7FDFD64}" type="datetimeFigureOut">
               <a:rPr lang="zh-TW" altLang="en-US" smtClean="0"/>
-              <a:t>2023/11/8</a:t>
+              <a:t>2023/11/13</a:t>
             </a:fld>
             <a:endParaRPr lang="zh-TW" altLang="en-US"/>
           </a:p>
@@ -13766,56 +13771,6 @@
       </p:graphicFrame>
       <p:sp>
         <p:nvSpPr>
-          <p:cNvPr id="15" name="文字方塊 14">
-            <a:extLst>
-              <a:ext uri="{FF2B5EF4-FFF2-40B4-BE49-F238E27FC236}">
-                <a16:creationId xmlns:a16="http://schemas.microsoft.com/office/drawing/2014/main" id="{66981AE0-DE89-3B64-C4F6-5BF42D2B172B}"/>
-              </a:ext>
-            </a:extLst>
-          </p:cNvPr>
-          <p:cNvSpPr txBox="1"/>
-          <p:nvPr/>
-        </p:nvSpPr>
-        <p:spPr>
-          <a:xfrm>
-            <a:off x="9950823" y="2505670"/>
-            <a:ext cx="797859" cy="923330"/>
-          </a:xfrm>
-          <a:prstGeom prst="rect">
-            <a:avLst/>
-          </a:prstGeom>
-          <a:noFill/>
-        </p:spPr>
-        <p:txBody>
-          <a:bodyPr wrap="square" rtlCol="0">
-            <a:spAutoFit/>
-          </a:bodyPr>
-          <a:lstStyle/>
-          <a:p>
-            <a:pPr algn="ctr"/>
-            <a:r>
-              <a:rPr lang="en-US" altLang="zh-TW" b="1" dirty="0"/>
-              <a:t>.</a:t>
-            </a:r>
-          </a:p>
-          <a:p>
-            <a:pPr algn="ctr"/>
-            <a:r>
-              <a:rPr lang="en-US" altLang="zh-TW" b="1" dirty="0"/>
-              <a:t>.</a:t>
-            </a:r>
-          </a:p>
-          <a:p>
-            <a:pPr algn="ctr"/>
-            <a:r>
-              <a:rPr lang="en-US" altLang="zh-TW" b="1" dirty="0"/>
-              <a:t>.</a:t>
-            </a:r>
-          </a:p>
-        </p:txBody>
-      </p:sp>
-      <p:sp>
-        <p:nvSpPr>
           <p:cNvPr id="16" name="矩形 15">
             <a:extLst>
               <a:ext uri="{FF2B5EF4-FFF2-40B4-BE49-F238E27FC236}">
@@ -13865,6 +13820,648 @@
           </a:p>
         </p:txBody>
       </p:sp>
+      <p:grpSp>
+        <p:nvGrpSpPr>
+          <p:cNvPr id="7" name="群組 6">
+            <a:extLst>
+              <a:ext uri="{FF2B5EF4-FFF2-40B4-BE49-F238E27FC236}">
+                <a16:creationId xmlns:a16="http://schemas.microsoft.com/office/drawing/2014/main" id="{E394D739-7B02-4060-8537-D22DA7627C08}"/>
+              </a:ext>
+            </a:extLst>
+          </p:cNvPr>
+          <p:cNvGrpSpPr/>
+          <p:nvPr/>
+        </p:nvGrpSpPr>
+        <p:grpSpPr>
+          <a:xfrm>
+            <a:off x="9215034" y="2074080"/>
+            <a:ext cx="2918696" cy="793461"/>
+            <a:chOff x="9116830" y="2015456"/>
+            <a:chExt cx="2918696" cy="793461"/>
+          </a:xfrm>
+          <a:scene3d>
+            <a:camera prst="orthographicFront"/>
+            <a:lightRig rig="flat" dir="t"/>
+          </a:scene3d>
+        </p:grpSpPr>
+        <p:sp>
+          <p:nvSpPr>
+            <p:cNvPr id="8" name="矩形: 圓角 7">
+              <a:extLst>
+                <a:ext uri="{FF2B5EF4-FFF2-40B4-BE49-F238E27FC236}">
+                  <a16:creationId xmlns:a16="http://schemas.microsoft.com/office/drawing/2014/main" id="{FA358884-3D56-4989-8E8A-192EC0D2B29C}"/>
+                </a:ext>
+              </a:extLst>
+            </p:cNvPr>
+            <p:cNvSpPr/>
+            <p:nvPr/>
+          </p:nvSpPr>
+          <p:spPr>
+            <a:xfrm>
+              <a:off x="9116830" y="2015456"/>
+              <a:ext cx="2918696" cy="793461"/>
+            </a:xfrm>
+            <a:prstGeom prst="roundRect">
+              <a:avLst>
+                <a:gd name="adj" fmla="val 10000"/>
+              </a:avLst>
+            </a:prstGeom>
+            <a:sp3d prstMaterial="plastic">
+              <a:bevelT w="120900" h="88900"/>
+              <a:bevelB w="88900" h="31750" prst="angle"/>
+            </a:sp3d>
+          </p:spPr>
+          <p:style>
+            <a:lnRef idx="0">
+              <a:schemeClr val="accent2">
+                <a:shade val="80000"/>
+                <a:hueOff val="0"/>
+                <a:satOff val="0"/>
+                <a:lumOff val="0"/>
+                <a:alphaOff val="0"/>
+              </a:schemeClr>
+            </a:lnRef>
+            <a:fillRef idx="3">
+              <a:schemeClr val="lt1">
+                <a:hueOff val="0"/>
+                <a:satOff val="0"/>
+                <a:lumOff val="0"/>
+                <a:alphaOff val="0"/>
+              </a:schemeClr>
+            </a:fillRef>
+            <a:effectRef idx="2">
+              <a:schemeClr val="lt1">
+                <a:hueOff val="0"/>
+                <a:satOff val="0"/>
+                <a:lumOff val="0"/>
+                <a:alphaOff val="0"/>
+              </a:schemeClr>
+            </a:effectRef>
+            <a:fontRef idx="minor">
+              <a:schemeClr val="dk1">
+                <a:hueOff val="0"/>
+                <a:satOff val="0"/>
+                <a:lumOff val="0"/>
+                <a:alphaOff val="0"/>
+              </a:schemeClr>
+            </a:fontRef>
+          </p:style>
+        </p:sp>
+        <p:sp>
+          <p:nvSpPr>
+            <p:cNvPr id="9" name="矩形: 圓角 4">
+              <a:extLst>
+                <a:ext uri="{FF2B5EF4-FFF2-40B4-BE49-F238E27FC236}">
+                  <a16:creationId xmlns:a16="http://schemas.microsoft.com/office/drawing/2014/main" id="{562EB9F0-7F42-4739-B20E-C0C62207C38F}"/>
+                </a:ext>
+              </a:extLst>
+            </p:cNvPr>
+            <p:cNvSpPr txBox="1"/>
+            <p:nvPr/>
+          </p:nvSpPr>
+          <p:spPr>
+            <a:xfrm>
+              <a:off x="9140070" y="2038696"/>
+              <a:ext cx="2872216" cy="746981"/>
+            </a:xfrm>
+            <a:prstGeom prst="rect">
+              <a:avLst/>
+            </a:prstGeom>
+            <a:sp3d/>
+          </p:spPr>
+          <p:style>
+            <a:lnRef idx="0">
+              <a:scrgbClr r="0" g="0" b="0"/>
+            </a:lnRef>
+            <a:fillRef idx="0">
+              <a:scrgbClr r="0" g="0" b="0"/>
+            </a:fillRef>
+            <a:effectRef idx="0">
+              <a:scrgbClr r="0" g="0" b="0"/>
+            </a:effectRef>
+            <a:fontRef idx="minor">
+              <a:schemeClr val="dk1">
+                <a:hueOff val="0"/>
+                <a:satOff val="0"/>
+                <a:lumOff val="0"/>
+                <a:alphaOff val="0"/>
+              </a:schemeClr>
+            </a:fontRef>
+          </p:style>
+          <p:txBody>
+            <a:bodyPr spcFirstLastPara="0" vert="horz" wrap="square" lIns="53340" tIns="53340" rIns="53340" bIns="53340" numCol="1" spcCol="1270" anchor="ctr" anchorCtr="0">
+              <a:noAutofit/>
+            </a:bodyPr>
+            <a:lstStyle/>
+            <a:p>
+              <a:pPr marL="0" lvl="0" indent="0" algn="l" defTabSz="622300">
+                <a:lnSpc>
+                  <a:spcPct val="90000"/>
+                </a:lnSpc>
+                <a:spcBef>
+                  <a:spcPct val="0"/>
+                </a:spcBef>
+                <a:spcAft>
+                  <a:spcPct val="35000"/>
+                </a:spcAft>
+                <a:buNone/>
+              </a:pPr>
+              <a:r>
+                <a:rPr lang="zh-TW" altLang="en-US" sz="1400" kern="1200" dirty="0">
+                  <a:solidFill>
+                    <a:srgbClr val="000000">
+                      <a:hueOff val="0"/>
+                      <a:satOff val="0"/>
+                      <a:lumOff val="0"/>
+                      <a:alphaOff val="0"/>
+                    </a:srgbClr>
+                  </a:solidFill>
+                  <a:latin typeface="微軟正黑體" panose="020B0604030504040204" pitchFamily="34" charset="-120"/>
+                  <a:ea typeface="微軟正黑體" panose="020B0604030504040204" pitchFamily="34" charset="-120"/>
+                  <a:cs typeface="+mn-cs"/>
+                </a:rPr>
+                <a:t>進</a:t>
+              </a:r>
+              <a:r>
+                <a:rPr lang="en-US" altLang="zh-TW" sz="1400" kern="1200" dirty="0">
+                  <a:solidFill>
+                    <a:srgbClr val="000000">
+                      <a:hueOff val="0"/>
+                      <a:satOff val="0"/>
+                      <a:lumOff val="0"/>
+                      <a:alphaOff val="0"/>
+                    </a:srgbClr>
+                  </a:solidFill>
+                  <a:latin typeface="微軟正黑體" panose="020B0604030504040204" pitchFamily="34" charset="-120"/>
+                  <a:ea typeface="微軟正黑體" panose="020B0604030504040204" pitchFamily="34" charset="-120"/>
+                  <a:cs typeface="+mn-cs"/>
+                </a:rPr>
+                <a:t>15</a:t>
+              </a:r>
+              <a:r>
+                <a:rPr lang="zh-TW" altLang="en-US" sz="1400" kern="1200" dirty="0">
+                  <a:solidFill>
+                    <a:srgbClr val="000000">
+                      <a:hueOff val="0"/>
+                      <a:satOff val="0"/>
+                      <a:lumOff val="0"/>
+                      <a:alphaOff val="0"/>
+                    </a:srgbClr>
+                  </a:solidFill>
+                  <a:latin typeface="微軟正黑體" panose="020B0604030504040204" pitchFamily="34" charset="-120"/>
+                  <a:ea typeface="微軟正黑體" panose="020B0604030504040204" pitchFamily="34" charset="-120"/>
+                  <a:cs typeface="+mn-cs"/>
+                </a:rPr>
+                <a:t>、</a:t>
+              </a:r>
+              <a:r>
+                <a:rPr lang="en-US" altLang="zh-TW" sz="1400" kern="1200" dirty="0">
+                  <a:solidFill>
+                    <a:srgbClr val="000000">
+                      <a:hueOff val="0"/>
+                      <a:satOff val="0"/>
+                      <a:lumOff val="0"/>
+                      <a:alphaOff val="0"/>
+                    </a:srgbClr>
+                  </a:solidFill>
+                  <a:latin typeface="微軟正黑體" panose="020B0604030504040204" pitchFamily="34" charset="-120"/>
+                  <a:ea typeface="微軟正黑體" panose="020B0604030504040204" pitchFamily="34" charset="-120"/>
+                  <a:cs typeface="+mn-cs"/>
+                </a:rPr>
+                <a:t>Lambda</a:t>
+              </a:r>
+            </a:p>
+          </p:txBody>
+        </p:sp>
+      </p:grpSp>
+      <p:grpSp>
+        <p:nvGrpSpPr>
+          <p:cNvPr id="10" name="群組 9">
+            <a:extLst>
+              <a:ext uri="{FF2B5EF4-FFF2-40B4-BE49-F238E27FC236}">
+                <a16:creationId xmlns:a16="http://schemas.microsoft.com/office/drawing/2014/main" id="{28E4E047-F95B-4B67-BC0F-690EDE35C040}"/>
+              </a:ext>
+            </a:extLst>
+          </p:cNvPr>
+          <p:cNvGrpSpPr/>
+          <p:nvPr/>
+        </p:nvGrpSpPr>
+        <p:grpSpPr>
+          <a:xfrm>
+            <a:off x="9215034" y="1303859"/>
+            <a:ext cx="2918696" cy="793461"/>
+            <a:chOff x="9116830" y="2015456"/>
+            <a:chExt cx="2918696" cy="793461"/>
+          </a:xfrm>
+          <a:scene3d>
+            <a:camera prst="orthographicFront"/>
+            <a:lightRig rig="flat" dir="t"/>
+          </a:scene3d>
+        </p:grpSpPr>
+        <p:sp>
+          <p:nvSpPr>
+            <p:cNvPr id="11" name="矩形: 圓角 10">
+              <a:extLst>
+                <a:ext uri="{FF2B5EF4-FFF2-40B4-BE49-F238E27FC236}">
+                  <a16:creationId xmlns:a16="http://schemas.microsoft.com/office/drawing/2014/main" id="{E83B4822-6E5F-4087-8D84-3B86D02BDAAC}"/>
+                </a:ext>
+              </a:extLst>
+            </p:cNvPr>
+            <p:cNvSpPr/>
+            <p:nvPr/>
+          </p:nvSpPr>
+          <p:spPr>
+            <a:xfrm>
+              <a:off x="9116830" y="2015456"/>
+              <a:ext cx="2918696" cy="793461"/>
+            </a:xfrm>
+            <a:prstGeom prst="roundRect">
+              <a:avLst>
+                <a:gd name="adj" fmla="val 10000"/>
+              </a:avLst>
+            </a:prstGeom>
+            <a:sp3d prstMaterial="plastic">
+              <a:bevelT w="120900" h="88900"/>
+              <a:bevelB w="88900" h="31750" prst="angle"/>
+            </a:sp3d>
+          </p:spPr>
+          <p:style>
+            <a:lnRef idx="0">
+              <a:schemeClr val="accent2">
+                <a:shade val="80000"/>
+                <a:hueOff val="0"/>
+                <a:satOff val="0"/>
+                <a:lumOff val="0"/>
+                <a:alphaOff val="0"/>
+              </a:schemeClr>
+            </a:lnRef>
+            <a:fillRef idx="3">
+              <a:schemeClr val="lt1">
+                <a:hueOff val="0"/>
+                <a:satOff val="0"/>
+                <a:lumOff val="0"/>
+                <a:alphaOff val="0"/>
+              </a:schemeClr>
+            </a:fillRef>
+            <a:effectRef idx="2">
+              <a:schemeClr val="lt1">
+                <a:hueOff val="0"/>
+                <a:satOff val="0"/>
+                <a:lumOff val="0"/>
+                <a:alphaOff val="0"/>
+              </a:schemeClr>
+            </a:effectRef>
+            <a:fontRef idx="minor">
+              <a:schemeClr val="dk1">
+                <a:hueOff val="0"/>
+                <a:satOff val="0"/>
+                <a:lumOff val="0"/>
+                <a:alphaOff val="0"/>
+              </a:schemeClr>
+            </a:fontRef>
+          </p:style>
+        </p:sp>
+        <p:sp>
+          <p:nvSpPr>
+            <p:cNvPr id="12" name="矩形: 圓角 4">
+              <a:extLst>
+                <a:ext uri="{FF2B5EF4-FFF2-40B4-BE49-F238E27FC236}">
+                  <a16:creationId xmlns:a16="http://schemas.microsoft.com/office/drawing/2014/main" id="{DB328C08-C7D5-46D3-BC97-367E415E140A}"/>
+                </a:ext>
+              </a:extLst>
+            </p:cNvPr>
+            <p:cNvSpPr txBox="1"/>
+            <p:nvPr/>
+          </p:nvSpPr>
+          <p:spPr>
+            <a:xfrm>
+              <a:off x="9140070" y="2038696"/>
+              <a:ext cx="2872216" cy="746981"/>
+            </a:xfrm>
+            <a:prstGeom prst="rect">
+              <a:avLst/>
+            </a:prstGeom>
+            <a:sp3d/>
+          </p:spPr>
+          <p:style>
+            <a:lnRef idx="0">
+              <a:scrgbClr r="0" g="0" b="0"/>
+            </a:lnRef>
+            <a:fillRef idx="0">
+              <a:scrgbClr r="0" g="0" b="0"/>
+            </a:fillRef>
+            <a:effectRef idx="0">
+              <a:scrgbClr r="0" g="0" b="0"/>
+            </a:effectRef>
+            <a:fontRef idx="minor">
+              <a:schemeClr val="dk1">
+                <a:hueOff val="0"/>
+                <a:satOff val="0"/>
+                <a:lumOff val="0"/>
+                <a:alphaOff val="0"/>
+              </a:schemeClr>
+            </a:fontRef>
+          </p:style>
+          <p:txBody>
+            <a:bodyPr spcFirstLastPara="0" vert="horz" wrap="square" lIns="53340" tIns="53340" rIns="53340" bIns="53340" numCol="1" spcCol="1270" anchor="ctr" anchorCtr="0">
+              <a:noAutofit/>
+            </a:bodyPr>
+            <a:lstStyle/>
+            <a:p>
+              <a:pPr marL="0" lvl="0" indent="0" algn="l" defTabSz="622300">
+                <a:lnSpc>
+                  <a:spcPct val="90000"/>
+                </a:lnSpc>
+                <a:spcBef>
+                  <a:spcPct val="0"/>
+                </a:spcBef>
+                <a:spcAft>
+                  <a:spcPct val="35000"/>
+                </a:spcAft>
+                <a:buNone/>
+              </a:pPr>
+              <a:r>
+                <a:rPr lang="zh-TW" altLang="en-US" sz="1400" kern="1200" dirty="0">
+                  <a:solidFill>
+                    <a:srgbClr val="000000">
+                      <a:hueOff val="0"/>
+                      <a:satOff val="0"/>
+                      <a:lumOff val="0"/>
+                      <a:alphaOff val="0"/>
+                    </a:srgbClr>
+                  </a:solidFill>
+                  <a:latin typeface="微軟正黑體" panose="020B0604030504040204" pitchFamily="34" charset="-120"/>
+                  <a:ea typeface="微軟正黑體" panose="020B0604030504040204" pitchFamily="34" charset="-120"/>
+                  <a:cs typeface="+mn-cs"/>
+                </a:rPr>
+                <a:t>進</a:t>
+              </a:r>
+              <a:r>
+                <a:rPr lang="en-US" altLang="zh-TW" sz="1400" kern="1200" dirty="0">
+                  <a:solidFill>
+                    <a:srgbClr val="000000">
+                      <a:hueOff val="0"/>
+                      <a:satOff val="0"/>
+                      <a:lumOff val="0"/>
+                      <a:alphaOff val="0"/>
+                    </a:srgbClr>
+                  </a:solidFill>
+                  <a:latin typeface="微軟正黑體" panose="020B0604030504040204" pitchFamily="34" charset="-120"/>
+                  <a:ea typeface="微軟正黑體" panose="020B0604030504040204" pitchFamily="34" charset="-120"/>
+                  <a:cs typeface="+mn-cs"/>
+                </a:rPr>
+                <a:t>16</a:t>
+              </a:r>
+              <a:r>
+                <a:rPr lang="zh-TW" altLang="en-US" sz="1400" kern="1200" dirty="0">
+                  <a:solidFill>
+                    <a:srgbClr val="000000">
+                      <a:hueOff val="0"/>
+                      <a:satOff val="0"/>
+                      <a:lumOff val="0"/>
+                      <a:alphaOff val="0"/>
+                    </a:srgbClr>
+                  </a:solidFill>
+                  <a:latin typeface="微軟正黑體" panose="020B0604030504040204" pitchFamily="34" charset="-120"/>
+                  <a:ea typeface="微軟正黑體" panose="020B0604030504040204" pitchFamily="34" charset="-120"/>
+                  <a:cs typeface="+mn-cs"/>
+                </a:rPr>
+                <a:t>、</a:t>
+              </a:r>
+              <a:r>
+                <a:rPr lang="en-US" altLang="zh-TW" sz="1400" kern="1200" dirty="0">
+                  <a:solidFill>
+                    <a:srgbClr val="000000">
+                      <a:hueOff val="0"/>
+                      <a:satOff val="0"/>
+                      <a:lumOff val="0"/>
+                      <a:alphaOff val="0"/>
+                    </a:srgbClr>
+                  </a:solidFill>
+                  <a:latin typeface="微軟正黑體" panose="020B0604030504040204" pitchFamily="34" charset="-120"/>
+                  <a:ea typeface="微軟正黑體" panose="020B0604030504040204" pitchFamily="34" charset="-120"/>
+                  <a:cs typeface="+mn-cs"/>
+                </a:rPr>
+                <a:t>Stream</a:t>
+              </a:r>
+            </a:p>
+          </p:txBody>
+        </p:sp>
+      </p:grpSp>
+      <p:grpSp>
+        <p:nvGrpSpPr>
+          <p:cNvPr id="13" name="群組 12">
+            <a:extLst>
+              <a:ext uri="{FF2B5EF4-FFF2-40B4-BE49-F238E27FC236}">
+                <a16:creationId xmlns:a16="http://schemas.microsoft.com/office/drawing/2014/main" id="{634DFF6C-4F13-4F94-9F0D-5761A529C155}"/>
+              </a:ext>
+            </a:extLst>
+          </p:cNvPr>
+          <p:cNvGrpSpPr/>
+          <p:nvPr/>
+        </p:nvGrpSpPr>
+        <p:grpSpPr>
+          <a:xfrm>
+            <a:off x="9215034" y="2910521"/>
+            <a:ext cx="2918696" cy="793461"/>
+            <a:chOff x="9116830" y="2015456"/>
+            <a:chExt cx="2918696" cy="793461"/>
+          </a:xfrm>
+          <a:scene3d>
+            <a:camera prst="orthographicFront"/>
+            <a:lightRig rig="flat" dir="t"/>
+          </a:scene3d>
+        </p:grpSpPr>
+        <p:sp>
+          <p:nvSpPr>
+            <p:cNvPr id="14" name="矩形: 圓角 13">
+              <a:extLst>
+                <a:ext uri="{FF2B5EF4-FFF2-40B4-BE49-F238E27FC236}">
+                  <a16:creationId xmlns:a16="http://schemas.microsoft.com/office/drawing/2014/main" id="{92170A94-3F60-4E98-916F-AB65B5EAC50A}"/>
+                </a:ext>
+              </a:extLst>
+            </p:cNvPr>
+            <p:cNvSpPr/>
+            <p:nvPr/>
+          </p:nvSpPr>
+          <p:spPr>
+            <a:xfrm>
+              <a:off x="9116830" y="2015456"/>
+              <a:ext cx="2918696" cy="793461"/>
+            </a:xfrm>
+            <a:prstGeom prst="roundRect">
+              <a:avLst>
+                <a:gd name="adj" fmla="val 10000"/>
+              </a:avLst>
+            </a:prstGeom>
+            <a:sp3d prstMaterial="plastic">
+              <a:bevelT w="120900" h="88900"/>
+              <a:bevelB w="88900" h="31750" prst="angle"/>
+            </a:sp3d>
+          </p:spPr>
+          <p:style>
+            <a:lnRef idx="0">
+              <a:schemeClr val="accent2">
+                <a:shade val="80000"/>
+                <a:hueOff val="0"/>
+                <a:satOff val="0"/>
+                <a:lumOff val="0"/>
+                <a:alphaOff val="0"/>
+              </a:schemeClr>
+            </a:lnRef>
+            <a:fillRef idx="3">
+              <a:schemeClr val="lt1">
+                <a:hueOff val="0"/>
+                <a:satOff val="0"/>
+                <a:lumOff val="0"/>
+                <a:alphaOff val="0"/>
+              </a:schemeClr>
+            </a:fillRef>
+            <a:effectRef idx="2">
+              <a:schemeClr val="lt1">
+                <a:hueOff val="0"/>
+                <a:satOff val="0"/>
+                <a:lumOff val="0"/>
+                <a:alphaOff val="0"/>
+              </a:schemeClr>
+            </a:effectRef>
+            <a:fontRef idx="minor">
+              <a:schemeClr val="dk1">
+                <a:hueOff val="0"/>
+                <a:satOff val="0"/>
+                <a:lumOff val="0"/>
+                <a:alphaOff val="0"/>
+              </a:schemeClr>
+            </a:fontRef>
+          </p:style>
+        </p:sp>
+        <p:sp>
+          <p:nvSpPr>
+            <p:cNvPr id="17" name="矩形: 圓角 4">
+              <a:extLst>
+                <a:ext uri="{FF2B5EF4-FFF2-40B4-BE49-F238E27FC236}">
+                  <a16:creationId xmlns:a16="http://schemas.microsoft.com/office/drawing/2014/main" id="{3441169E-3EF6-4E8F-8528-DA6829B8BABC}"/>
+                </a:ext>
+              </a:extLst>
+            </p:cNvPr>
+            <p:cNvSpPr txBox="1"/>
+            <p:nvPr/>
+          </p:nvSpPr>
+          <p:spPr>
+            <a:xfrm>
+              <a:off x="9140070" y="2038696"/>
+              <a:ext cx="2872216" cy="746981"/>
+            </a:xfrm>
+            <a:prstGeom prst="rect">
+              <a:avLst/>
+            </a:prstGeom>
+            <a:sp3d/>
+          </p:spPr>
+          <p:style>
+            <a:lnRef idx="0">
+              <a:scrgbClr r="0" g="0" b="0"/>
+            </a:lnRef>
+            <a:fillRef idx="0">
+              <a:scrgbClr r="0" g="0" b="0"/>
+            </a:fillRef>
+            <a:effectRef idx="0">
+              <a:scrgbClr r="0" g="0" b="0"/>
+            </a:effectRef>
+            <a:fontRef idx="minor">
+              <a:schemeClr val="dk1">
+                <a:hueOff val="0"/>
+                <a:satOff val="0"/>
+                <a:lumOff val="0"/>
+                <a:alphaOff val="0"/>
+              </a:schemeClr>
+            </a:fontRef>
+          </p:style>
+          <p:txBody>
+            <a:bodyPr spcFirstLastPara="0" vert="horz" wrap="square" lIns="53340" tIns="53340" rIns="53340" bIns="53340" numCol="1" spcCol="1270" anchor="ctr" anchorCtr="0">
+              <a:noAutofit/>
+            </a:bodyPr>
+            <a:lstStyle/>
+            <a:p>
+              <a:pPr marL="0" lvl="0" indent="0" algn="l" defTabSz="622300">
+                <a:lnSpc>
+                  <a:spcPct val="90000"/>
+                </a:lnSpc>
+                <a:spcBef>
+                  <a:spcPct val="0"/>
+                </a:spcBef>
+                <a:spcAft>
+                  <a:spcPct val="35000"/>
+                </a:spcAft>
+                <a:buNone/>
+              </a:pPr>
+              <a:r>
+                <a:rPr lang="zh-TW" altLang="en-US" sz="1400" kern="1200" dirty="0">
+                  <a:solidFill>
+                    <a:srgbClr val="000000">
+                      <a:hueOff val="0"/>
+                      <a:satOff val="0"/>
+                      <a:lumOff val="0"/>
+                      <a:alphaOff val="0"/>
+                    </a:srgbClr>
+                  </a:solidFill>
+                  <a:latin typeface="微軟正黑體" panose="020B0604030504040204" pitchFamily="34" charset="-120"/>
+                  <a:ea typeface="微軟正黑體" panose="020B0604030504040204" pitchFamily="34" charset="-120"/>
+                  <a:cs typeface="+mn-cs"/>
+                </a:rPr>
+                <a:t>進</a:t>
+              </a:r>
+              <a:r>
+                <a:rPr lang="en-US" altLang="zh-TW" sz="1400" kern="1200" dirty="0">
+                  <a:solidFill>
+                    <a:srgbClr val="000000">
+                      <a:hueOff val="0"/>
+                      <a:satOff val="0"/>
+                      <a:lumOff val="0"/>
+                      <a:alphaOff val="0"/>
+                    </a:srgbClr>
+                  </a:solidFill>
+                  <a:latin typeface="微軟正黑體" panose="020B0604030504040204" pitchFamily="34" charset="-120"/>
+                  <a:ea typeface="微軟正黑體" panose="020B0604030504040204" pitchFamily="34" charset="-120"/>
+                  <a:cs typeface="+mn-cs"/>
+                </a:rPr>
+                <a:t>15</a:t>
+              </a:r>
+              <a:r>
+                <a:rPr lang="zh-TW" altLang="en-US" sz="1400" kern="1200" dirty="0">
+                  <a:solidFill>
+                    <a:srgbClr val="000000">
+                      <a:hueOff val="0"/>
+                      <a:satOff val="0"/>
+                      <a:lumOff val="0"/>
+                      <a:alphaOff val="0"/>
+                    </a:srgbClr>
+                  </a:solidFill>
+                  <a:latin typeface="微軟正黑體" panose="020B0604030504040204" pitchFamily="34" charset="-120"/>
+                  <a:ea typeface="微軟正黑體" panose="020B0604030504040204" pitchFamily="34" charset="-120"/>
+                  <a:cs typeface="+mn-cs"/>
+                </a:rPr>
+                <a:t>、</a:t>
+              </a:r>
+              <a:r>
+                <a:rPr lang="en-US" altLang="zh-TW" sz="1400" kern="1200" dirty="0">
+                  <a:solidFill>
+                    <a:srgbClr val="000000">
+                      <a:hueOff val="0"/>
+                      <a:satOff val="0"/>
+                      <a:lumOff val="0"/>
+                      <a:alphaOff val="0"/>
+                    </a:srgbClr>
+                  </a:solidFill>
+                  <a:latin typeface="微軟正黑體" panose="020B0604030504040204" pitchFamily="34" charset="-120"/>
+                  <a:ea typeface="微軟正黑體" panose="020B0604030504040204" pitchFamily="34" charset="-120"/>
+                  <a:cs typeface="+mn-cs"/>
+                </a:rPr>
+                <a:t>IO</a:t>
+              </a:r>
+            </a:p>
+          </p:txBody>
+        </p:sp>
+      </p:grpSp>
     </p:spTree>
     <p:extLst>
       <p:ext uri="{BB962C8B-B14F-4D97-AF65-F5344CB8AC3E}">

--- a/Java 相關/當前困境.pptx
+++ b/Java 相關/當前困境.pptx
@@ -4,6 +4,9 @@
   <p:sldMasterIdLst>
     <p:sldMasterId id="2147483702" r:id="rId1"/>
   </p:sldMasterIdLst>
+  <p:notesMasterIdLst>
+    <p:notesMasterId r:id="rId8"/>
+  </p:notesMasterIdLst>
   <p:sldIdLst>
     <p:sldId id="257" r:id="rId2"/>
     <p:sldId id="258" r:id="rId3"/>
@@ -109,6 +112,11 @@
       </a:defRPr>
     </a:lvl9pPr>
   </p:defaultTextStyle>
+  <p:extLst>
+    <p:ext uri="{EFAFB233-063F-42B5-8137-9DF3F51BA10A}">
+      <p15:sldGuideLst xmlns:p15="http://schemas.microsoft.com/office/powerpoint/2012/main"/>
+    </p:ext>
+  </p:extLst>
 </p:presentation>
 </file>
 
@@ -3620,7 +3628,7 @@
   <dgm:whole/>
   <dgm:extLst>
     <a:ext uri="http://schemas.microsoft.com/office/drawing/2008/diagram">
-      <dsp:dataModelExt xmlns:dsp="http://schemas.microsoft.com/office/drawing/2008/diagram" relId="rId6" minVer="http://schemas.openxmlformats.org/drawingml/2006/diagram"/>
+      <dsp:dataModelExt xmlns:dsp="http://schemas.microsoft.com/office/drawing/2008/diagram" relId="rId7" minVer="http://schemas.openxmlformats.org/drawingml/2006/diagram"/>
     </a:ext>
   </dgm:extLst>
 </dgm:dataModel>
@@ -9985,6 +9993,439 @@
 </dgm:styleDef>
 </file>
 
+<file path=ppt/notesMasters/notesMaster1.xml><?xml version="1.0" encoding="utf-8"?>
+<p:notesMaster xmlns:a="http://schemas.openxmlformats.org/drawingml/2006/main" xmlns:r="http://schemas.openxmlformats.org/officeDocument/2006/relationships" xmlns:p="http://schemas.openxmlformats.org/presentationml/2006/main">
+  <p:cSld>
+    <p:bg>
+      <p:bgRef idx="1001">
+        <a:schemeClr val="bg1"/>
+      </p:bgRef>
+    </p:bg>
+    <p:spTree>
+      <p:nvGrpSpPr>
+        <p:cNvPr id="1" name=""/>
+        <p:cNvGrpSpPr/>
+        <p:nvPr/>
+      </p:nvGrpSpPr>
+      <p:grpSpPr>
+        <a:xfrm>
+          <a:off x="0" y="0"/>
+          <a:ext cx="0" cy="0"/>
+          <a:chOff x="0" y="0"/>
+          <a:chExt cx="0" cy="0"/>
+        </a:xfrm>
+      </p:grpSpPr>
+      <p:sp>
+        <p:nvSpPr>
+          <p:cNvPr id="2" name="頁首版面配置區 1"/>
+          <p:cNvSpPr>
+            <a:spLocks noGrp="1"/>
+          </p:cNvSpPr>
+          <p:nvPr>
+            <p:ph type="hdr" sz="quarter"/>
+          </p:nvPr>
+        </p:nvSpPr>
+        <p:spPr>
+          <a:xfrm>
+            <a:off x="0" y="0"/>
+            <a:ext cx="2971800" cy="458788"/>
+          </a:xfrm>
+          <a:prstGeom prst="rect">
+            <a:avLst/>
+          </a:prstGeom>
+        </p:spPr>
+        <p:txBody>
+          <a:bodyPr vert="horz" lIns="91440" tIns="45720" rIns="91440" bIns="45720" rtlCol="0"/>
+          <a:lstStyle>
+            <a:lvl1pPr algn="l">
+              <a:defRPr sz="1200"/>
+            </a:lvl1pPr>
+          </a:lstStyle>
+          <a:p>
+            <a:endParaRPr lang="zh-TW" altLang="en-US"/>
+          </a:p>
+        </p:txBody>
+      </p:sp>
+      <p:sp>
+        <p:nvSpPr>
+          <p:cNvPr id="3" name="日期版面配置區 2"/>
+          <p:cNvSpPr>
+            <a:spLocks noGrp="1"/>
+          </p:cNvSpPr>
+          <p:nvPr>
+            <p:ph type="dt" idx="1"/>
+          </p:nvPr>
+        </p:nvSpPr>
+        <p:spPr>
+          <a:xfrm>
+            <a:off x="3884613" y="0"/>
+            <a:ext cx="2971800" cy="458788"/>
+          </a:xfrm>
+          <a:prstGeom prst="rect">
+            <a:avLst/>
+          </a:prstGeom>
+        </p:spPr>
+        <p:txBody>
+          <a:bodyPr vert="horz" lIns="91440" tIns="45720" rIns="91440" bIns="45720" rtlCol="0"/>
+          <a:lstStyle>
+            <a:lvl1pPr algn="r">
+              <a:defRPr sz="1200"/>
+            </a:lvl1pPr>
+          </a:lstStyle>
+          <a:p>
+            <a:fld id="{370F6DFC-027A-4432-B130-BDA56C8D2881}" type="datetimeFigureOut">
+              <a:rPr lang="zh-TW" altLang="en-US" smtClean="0"/>
+              <a:t>2023/11/9</a:t>
+            </a:fld>
+            <a:endParaRPr lang="zh-TW" altLang="en-US"/>
+          </a:p>
+        </p:txBody>
+      </p:sp>
+      <p:sp>
+        <p:nvSpPr>
+          <p:cNvPr id="4" name="投影片影像版面配置區 3"/>
+          <p:cNvSpPr>
+            <a:spLocks noGrp="1" noRot="1" noChangeAspect="1"/>
+          </p:cNvSpPr>
+          <p:nvPr>
+            <p:ph type="sldImg" idx="2"/>
+          </p:nvPr>
+        </p:nvSpPr>
+        <p:spPr>
+          <a:xfrm>
+            <a:off x="685800" y="1143000"/>
+            <a:ext cx="5486400" cy="3086100"/>
+          </a:xfrm>
+          <a:prstGeom prst="rect">
+            <a:avLst/>
+          </a:prstGeom>
+          <a:noFill/>
+          <a:ln w="12700">
+            <a:solidFill>
+              <a:prstClr val="black"/>
+            </a:solidFill>
+          </a:ln>
+        </p:spPr>
+        <p:txBody>
+          <a:bodyPr vert="horz" lIns="91440" tIns="45720" rIns="91440" bIns="45720" rtlCol="0" anchor="ctr"/>
+          <a:lstStyle/>
+          <a:p>
+            <a:endParaRPr lang="zh-TW" altLang="en-US"/>
+          </a:p>
+        </p:txBody>
+      </p:sp>
+      <p:sp>
+        <p:nvSpPr>
+          <p:cNvPr id="5" name="備忘稿版面配置區 4"/>
+          <p:cNvSpPr>
+            <a:spLocks noGrp="1"/>
+          </p:cNvSpPr>
+          <p:nvPr>
+            <p:ph type="body" sz="quarter" idx="3"/>
+          </p:nvPr>
+        </p:nvSpPr>
+        <p:spPr>
+          <a:xfrm>
+            <a:off x="685800" y="4400550"/>
+            <a:ext cx="5486400" cy="3600450"/>
+          </a:xfrm>
+          <a:prstGeom prst="rect">
+            <a:avLst/>
+          </a:prstGeom>
+        </p:spPr>
+        <p:txBody>
+          <a:bodyPr vert="horz" lIns="91440" tIns="45720" rIns="91440" bIns="45720" rtlCol="0"/>
+          <a:lstStyle/>
+          <a:p>
+            <a:pPr lvl="0"/>
+            <a:r>
+              <a:rPr lang="zh-TW" altLang="en-US"/>
+              <a:t>編輯母片文字樣式</a:t>
+            </a:r>
+          </a:p>
+          <a:p>
+            <a:pPr lvl="1"/>
+            <a:r>
+              <a:rPr lang="zh-TW" altLang="en-US"/>
+              <a:t>第二層</a:t>
+            </a:r>
+          </a:p>
+          <a:p>
+            <a:pPr lvl="2"/>
+            <a:r>
+              <a:rPr lang="zh-TW" altLang="en-US"/>
+              <a:t>第三層</a:t>
+            </a:r>
+          </a:p>
+          <a:p>
+            <a:pPr lvl="3"/>
+            <a:r>
+              <a:rPr lang="zh-TW" altLang="en-US"/>
+              <a:t>第四層</a:t>
+            </a:r>
+          </a:p>
+          <a:p>
+            <a:pPr lvl="4"/>
+            <a:r>
+              <a:rPr lang="zh-TW" altLang="en-US"/>
+              <a:t>第五層</a:t>
+            </a:r>
+          </a:p>
+        </p:txBody>
+      </p:sp>
+      <p:sp>
+        <p:nvSpPr>
+          <p:cNvPr id="6" name="頁尾版面配置區 5"/>
+          <p:cNvSpPr>
+            <a:spLocks noGrp="1"/>
+          </p:cNvSpPr>
+          <p:nvPr>
+            <p:ph type="ftr" sz="quarter" idx="4"/>
+          </p:nvPr>
+        </p:nvSpPr>
+        <p:spPr>
+          <a:xfrm>
+            <a:off x="0" y="8685213"/>
+            <a:ext cx="2971800" cy="458787"/>
+          </a:xfrm>
+          <a:prstGeom prst="rect">
+            <a:avLst/>
+          </a:prstGeom>
+        </p:spPr>
+        <p:txBody>
+          <a:bodyPr vert="horz" lIns="91440" tIns="45720" rIns="91440" bIns="45720" rtlCol="0" anchor="b"/>
+          <a:lstStyle>
+            <a:lvl1pPr algn="l">
+              <a:defRPr sz="1200"/>
+            </a:lvl1pPr>
+          </a:lstStyle>
+          <a:p>
+            <a:endParaRPr lang="zh-TW" altLang="en-US"/>
+          </a:p>
+        </p:txBody>
+      </p:sp>
+      <p:sp>
+        <p:nvSpPr>
+          <p:cNvPr id="7" name="投影片編號版面配置區 6"/>
+          <p:cNvSpPr>
+            <a:spLocks noGrp="1"/>
+          </p:cNvSpPr>
+          <p:nvPr>
+            <p:ph type="sldNum" sz="quarter" idx="5"/>
+          </p:nvPr>
+        </p:nvSpPr>
+        <p:spPr>
+          <a:xfrm>
+            <a:off x="3884613" y="8685213"/>
+            <a:ext cx="2971800" cy="458787"/>
+          </a:xfrm>
+          <a:prstGeom prst="rect">
+            <a:avLst/>
+          </a:prstGeom>
+        </p:spPr>
+        <p:txBody>
+          <a:bodyPr vert="horz" lIns="91440" tIns="45720" rIns="91440" bIns="45720" rtlCol="0" anchor="b"/>
+          <a:lstStyle>
+            <a:lvl1pPr algn="r">
+              <a:defRPr sz="1200"/>
+            </a:lvl1pPr>
+          </a:lstStyle>
+          <a:p>
+            <a:fld id="{3FA80D22-67CA-408E-A31B-C7ED02AA29FA}" type="slidenum">
+              <a:rPr lang="zh-TW" altLang="en-US" smtClean="0"/>
+              <a:t>‹#›</a:t>
+            </a:fld>
+            <a:endParaRPr lang="zh-TW" altLang="en-US"/>
+          </a:p>
+        </p:txBody>
+      </p:sp>
+    </p:spTree>
+    <p:extLst>
+      <p:ext uri="{BB962C8B-B14F-4D97-AF65-F5344CB8AC3E}">
+        <p14:creationId xmlns:p14="http://schemas.microsoft.com/office/powerpoint/2010/main" val="56437669"/>
+      </p:ext>
+    </p:extLst>
+  </p:cSld>
+  <p:clrMap bg1="lt1" tx1="dk1" bg2="lt2" tx2="dk2" accent1="accent1" accent2="accent2" accent3="accent3" accent4="accent4" accent5="accent5" accent6="accent6" hlink="hlink" folHlink="folHlink"/>
+  <p:notesStyle>
+    <a:lvl1pPr marL="0" algn="l" defTabSz="914400" rtl="0" eaLnBrk="1" latinLnBrk="0" hangingPunct="1">
+      <a:defRPr sz="1200" kern="1200">
+        <a:solidFill>
+          <a:schemeClr val="tx1"/>
+        </a:solidFill>
+        <a:latin typeface="+mn-lt"/>
+        <a:ea typeface="+mn-ea"/>
+        <a:cs typeface="+mn-cs"/>
+      </a:defRPr>
+    </a:lvl1pPr>
+    <a:lvl2pPr marL="457200" algn="l" defTabSz="914400" rtl="0" eaLnBrk="1" latinLnBrk="0" hangingPunct="1">
+      <a:defRPr sz="1200" kern="1200">
+        <a:solidFill>
+          <a:schemeClr val="tx1"/>
+        </a:solidFill>
+        <a:latin typeface="+mn-lt"/>
+        <a:ea typeface="+mn-ea"/>
+        <a:cs typeface="+mn-cs"/>
+      </a:defRPr>
+    </a:lvl2pPr>
+    <a:lvl3pPr marL="914400" algn="l" defTabSz="914400" rtl="0" eaLnBrk="1" latinLnBrk="0" hangingPunct="1">
+      <a:defRPr sz="1200" kern="1200">
+        <a:solidFill>
+          <a:schemeClr val="tx1"/>
+        </a:solidFill>
+        <a:latin typeface="+mn-lt"/>
+        <a:ea typeface="+mn-ea"/>
+        <a:cs typeface="+mn-cs"/>
+      </a:defRPr>
+    </a:lvl3pPr>
+    <a:lvl4pPr marL="1371600" algn="l" defTabSz="914400" rtl="0" eaLnBrk="1" latinLnBrk="0" hangingPunct="1">
+      <a:defRPr sz="1200" kern="1200">
+        <a:solidFill>
+          <a:schemeClr val="tx1"/>
+        </a:solidFill>
+        <a:latin typeface="+mn-lt"/>
+        <a:ea typeface="+mn-ea"/>
+        <a:cs typeface="+mn-cs"/>
+      </a:defRPr>
+    </a:lvl4pPr>
+    <a:lvl5pPr marL="1828800" algn="l" defTabSz="914400" rtl="0" eaLnBrk="1" latinLnBrk="0" hangingPunct="1">
+      <a:defRPr sz="1200" kern="1200">
+        <a:solidFill>
+          <a:schemeClr val="tx1"/>
+        </a:solidFill>
+        <a:latin typeface="+mn-lt"/>
+        <a:ea typeface="+mn-ea"/>
+        <a:cs typeface="+mn-cs"/>
+      </a:defRPr>
+    </a:lvl5pPr>
+    <a:lvl6pPr marL="2286000" algn="l" defTabSz="914400" rtl="0" eaLnBrk="1" latinLnBrk="0" hangingPunct="1">
+      <a:defRPr sz="1200" kern="1200">
+        <a:solidFill>
+          <a:schemeClr val="tx1"/>
+        </a:solidFill>
+        <a:latin typeface="+mn-lt"/>
+        <a:ea typeface="+mn-ea"/>
+        <a:cs typeface="+mn-cs"/>
+      </a:defRPr>
+    </a:lvl6pPr>
+    <a:lvl7pPr marL="2743200" algn="l" defTabSz="914400" rtl="0" eaLnBrk="1" latinLnBrk="0" hangingPunct="1">
+      <a:defRPr sz="1200" kern="1200">
+        <a:solidFill>
+          <a:schemeClr val="tx1"/>
+        </a:solidFill>
+        <a:latin typeface="+mn-lt"/>
+        <a:ea typeface="+mn-ea"/>
+        <a:cs typeface="+mn-cs"/>
+      </a:defRPr>
+    </a:lvl7pPr>
+    <a:lvl8pPr marL="3200400" algn="l" defTabSz="914400" rtl="0" eaLnBrk="1" latinLnBrk="0" hangingPunct="1">
+      <a:defRPr sz="1200" kern="1200">
+        <a:solidFill>
+          <a:schemeClr val="tx1"/>
+        </a:solidFill>
+        <a:latin typeface="+mn-lt"/>
+        <a:ea typeface="+mn-ea"/>
+        <a:cs typeface="+mn-cs"/>
+      </a:defRPr>
+    </a:lvl8pPr>
+    <a:lvl9pPr marL="3657600" algn="l" defTabSz="914400" rtl="0" eaLnBrk="1" latinLnBrk="0" hangingPunct="1">
+      <a:defRPr sz="1200" kern="1200">
+        <a:solidFill>
+          <a:schemeClr val="tx1"/>
+        </a:solidFill>
+        <a:latin typeface="+mn-lt"/>
+        <a:ea typeface="+mn-ea"/>
+        <a:cs typeface="+mn-cs"/>
+      </a:defRPr>
+    </a:lvl9pPr>
+  </p:notesStyle>
+</p:notesMaster>
+</file>
+
+<file path=ppt/notesSlides/notesSlide1.xml><?xml version="1.0" encoding="utf-8"?>
+<p:notes xmlns:a="http://schemas.openxmlformats.org/drawingml/2006/main" xmlns:r="http://schemas.openxmlformats.org/officeDocument/2006/relationships" xmlns:p="http://schemas.openxmlformats.org/presentationml/2006/main">
+  <p:cSld>
+    <p:spTree>
+      <p:nvGrpSpPr>
+        <p:cNvPr id="1" name=""/>
+        <p:cNvGrpSpPr/>
+        <p:nvPr/>
+      </p:nvGrpSpPr>
+      <p:grpSpPr>
+        <a:xfrm>
+          <a:off x="0" y="0"/>
+          <a:ext cx="0" cy="0"/>
+          <a:chOff x="0" y="0"/>
+          <a:chExt cx="0" cy="0"/>
+        </a:xfrm>
+      </p:grpSpPr>
+      <p:sp>
+        <p:nvSpPr>
+          <p:cNvPr id="2" name="投影片影像版面配置區 1"/>
+          <p:cNvSpPr>
+            <a:spLocks noGrp="1" noRot="1" noChangeAspect="1"/>
+          </p:cNvSpPr>
+          <p:nvPr>
+            <p:ph type="sldImg"/>
+          </p:nvPr>
+        </p:nvSpPr>
+        <p:spPr/>
+      </p:sp>
+      <p:sp>
+        <p:nvSpPr>
+          <p:cNvPr id="3" name="備忘稿版面配置區 2"/>
+          <p:cNvSpPr>
+            <a:spLocks noGrp="1"/>
+          </p:cNvSpPr>
+          <p:nvPr>
+            <p:ph type="body" idx="1"/>
+          </p:nvPr>
+        </p:nvSpPr>
+        <p:spPr/>
+        <p:txBody>
+          <a:bodyPr/>
+          <a:lstStyle/>
+          <a:p>
+            <a:endParaRPr lang="zh-TW" altLang="en-US" dirty="0"/>
+          </a:p>
+        </p:txBody>
+      </p:sp>
+      <p:sp>
+        <p:nvSpPr>
+          <p:cNvPr id="4" name="投影片編號版面配置區 3"/>
+          <p:cNvSpPr>
+            <a:spLocks noGrp="1"/>
+          </p:cNvSpPr>
+          <p:nvPr>
+            <p:ph type="sldNum" sz="quarter" idx="5"/>
+          </p:nvPr>
+        </p:nvSpPr>
+        <p:spPr/>
+        <p:txBody>
+          <a:bodyPr/>
+          <a:lstStyle/>
+          <a:p>
+            <a:fld id="{3FA80D22-67CA-408E-A31B-C7ED02AA29FA}" type="slidenum">
+              <a:rPr lang="zh-TW" altLang="en-US" smtClean="0"/>
+              <a:t>1</a:t>
+            </a:fld>
+            <a:endParaRPr lang="zh-TW" altLang="en-US"/>
+          </a:p>
+        </p:txBody>
+      </p:sp>
+    </p:spTree>
+    <p:extLst>
+      <p:ext uri="{BB962C8B-B14F-4D97-AF65-F5344CB8AC3E}">
+        <p14:creationId xmlns:p14="http://schemas.microsoft.com/office/powerpoint/2010/main" val="2015838209"/>
+      </p:ext>
+    </p:extLst>
+  </p:cSld>
+  <p:clrMapOvr>
+    <a:masterClrMapping/>
+  </p:clrMapOvr>
+</p:notes>
+</file>
+
 <file path=ppt/slideLayouts/slideLayout1.xml><?xml version="1.0" encoding="utf-8"?>
 <p:sldLayout xmlns:a="http://schemas.openxmlformats.org/drawingml/2006/main" xmlns:r="http://schemas.openxmlformats.org/officeDocument/2006/relationships" xmlns:p="http://schemas.openxmlformats.org/presentationml/2006/main" showMasterSp="0" type="title" preserve="1">
   <p:cSld name="標題投影片">
@@ -10211,7 +10652,7 @@
           <a:p>
             <a:fld id="{8AAAAF8D-24D6-4DFE-B1B6-A4E2C7FDFD64}" type="datetimeFigureOut">
               <a:rPr lang="zh-TW" altLang="en-US" smtClean="0"/>
-              <a:t>2023/11/8</a:t>
+              <a:t>2023/11/9</a:t>
             </a:fld>
             <a:endParaRPr lang="zh-TW" altLang="en-US"/>
           </a:p>
@@ -10419,7 +10860,7 @@
           <a:p>
             <a:fld id="{8AAAAF8D-24D6-4DFE-B1B6-A4E2C7FDFD64}" type="datetimeFigureOut">
               <a:rPr lang="zh-TW" altLang="en-US" smtClean="0"/>
-              <a:t>2023/11/8</a:t>
+              <a:t>2023/11/9</a:t>
             </a:fld>
             <a:endParaRPr lang="zh-TW" altLang="en-US"/>
           </a:p>
@@ -10675,7 +11116,7 @@
           <a:p>
             <a:fld id="{8AAAAF8D-24D6-4DFE-B1B6-A4E2C7FDFD64}" type="datetimeFigureOut">
               <a:rPr lang="zh-TW" altLang="en-US" smtClean="0"/>
-              <a:t>2023/11/8</a:t>
+              <a:t>2023/11/9</a:t>
             </a:fld>
             <a:endParaRPr lang="zh-TW" altLang="en-US"/>
           </a:p>
@@ -10849,7 +11290,7 @@
           <a:p>
             <a:fld id="{8AAAAF8D-24D6-4DFE-B1B6-A4E2C7FDFD64}" type="datetimeFigureOut">
               <a:rPr lang="zh-TW" altLang="en-US" smtClean="0"/>
-              <a:t>2023/11/8</a:t>
+              <a:t>2023/11/9</a:t>
             </a:fld>
             <a:endParaRPr lang="zh-TW" altLang="en-US"/>
           </a:p>
@@ -11192,7 +11633,7 @@
           <a:p>
             <a:fld id="{8AAAAF8D-24D6-4DFE-B1B6-A4E2C7FDFD64}" type="datetimeFigureOut">
               <a:rPr lang="zh-TW" altLang="en-US" smtClean="0"/>
-              <a:t>2023/11/8</a:t>
+              <a:t>2023/11/9</a:t>
             </a:fld>
             <a:endParaRPr lang="zh-TW" altLang="en-US"/>
           </a:p>
@@ -11467,7 +11908,7 @@
           <a:p>
             <a:fld id="{8AAAAF8D-24D6-4DFE-B1B6-A4E2C7FDFD64}" type="datetimeFigureOut">
               <a:rPr lang="zh-TW" altLang="en-US" smtClean="0"/>
-              <a:t>2023/11/8</a:t>
+              <a:t>2023/11/9</a:t>
             </a:fld>
             <a:endParaRPr lang="zh-TW" altLang="en-US"/>
           </a:p>
@@ -11846,7 +12287,7 @@
           <a:p>
             <a:fld id="{8AAAAF8D-24D6-4DFE-B1B6-A4E2C7FDFD64}" type="datetimeFigureOut">
               <a:rPr lang="zh-TW" altLang="en-US" smtClean="0"/>
-              <a:t>2023/11/8</a:t>
+              <a:t>2023/11/9</a:t>
             </a:fld>
             <a:endParaRPr lang="zh-TW" altLang="en-US"/>
           </a:p>
@@ -11964,7 +12405,7 @@
           <a:p>
             <a:fld id="{8AAAAF8D-24D6-4DFE-B1B6-A4E2C7FDFD64}" type="datetimeFigureOut">
               <a:rPr lang="zh-TW" altLang="en-US" smtClean="0"/>
-              <a:t>2023/11/8</a:t>
+              <a:t>2023/11/9</a:t>
             </a:fld>
             <a:endParaRPr lang="zh-TW" altLang="en-US"/>
           </a:p>
@@ -12135,7 +12576,7 @@
           <a:p>
             <a:fld id="{8AAAAF8D-24D6-4DFE-B1B6-A4E2C7FDFD64}" type="datetimeFigureOut">
               <a:rPr lang="zh-TW" altLang="en-US" smtClean="0"/>
-              <a:t>2023/11/8</a:t>
+              <a:t>2023/11/9</a:t>
             </a:fld>
             <a:endParaRPr lang="zh-TW" altLang="en-US"/>
           </a:p>
@@ -12489,7 +12930,7 @@
           <a:p>
             <a:fld id="{8AAAAF8D-24D6-4DFE-B1B6-A4E2C7FDFD64}" type="datetimeFigureOut">
               <a:rPr lang="zh-TW" altLang="en-US" smtClean="0"/>
-              <a:t>2023/11/8</a:t>
+              <a:t>2023/11/9</a:t>
             </a:fld>
             <a:endParaRPr lang="zh-TW" altLang="en-US"/>
           </a:p>
@@ -12871,7 +13312,7 @@
           <a:p>
             <a:fld id="{8AAAAF8D-24D6-4DFE-B1B6-A4E2C7FDFD64}" type="datetimeFigureOut">
               <a:rPr lang="zh-TW" altLang="en-US" smtClean="0"/>
-              <a:t>2023/11/8</a:t>
+              <a:t>2023/11/9</a:t>
             </a:fld>
             <a:endParaRPr lang="zh-TW" altLang="en-US"/>
           </a:p>
@@ -13158,7 +13599,7 @@
           <a:p>
             <a:fld id="{8AAAAF8D-24D6-4DFE-B1B6-A4E2C7FDFD64}" type="datetimeFigureOut">
               <a:rPr lang="zh-TW" altLang="en-US" smtClean="0"/>
-              <a:t>2023/11/8</a:t>
+              <a:t>2023/11/9</a:t>
             </a:fld>
             <a:endParaRPr lang="zh-TW" altLang="en-US"/>
           </a:p>
@@ -13760,7 +14201,7 @@
         </p:xfrm>
         <a:graphic>
           <a:graphicData uri="http://schemas.openxmlformats.org/drawingml/2006/diagram">
-            <dgm:relIds xmlns:dgm="http://schemas.openxmlformats.org/drawingml/2006/diagram" xmlns:r="http://schemas.openxmlformats.org/officeDocument/2006/relationships" r:dm="rId2" r:lo="rId3" r:qs="rId4" r:cs="rId5"/>
+            <dgm:relIds xmlns:dgm="http://schemas.openxmlformats.org/drawingml/2006/diagram" xmlns:r="http://schemas.openxmlformats.org/officeDocument/2006/relationships" r:dm="rId3" r:lo="rId4" r:qs="rId5" r:cs="rId6"/>
           </a:graphicData>
         </a:graphic>
       </p:graphicFrame>
@@ -14786,18 +15227,11 @@
               <a:t>、</a:t>
             </a:r>
             <a:r>
-              <a:rPr lang="en-US" altLang="zh-TW" sz="1600" b="1" dirty="0" err="1">
-                <a:latin typeface="微軟正黑體" panose="020B0604030504040204" pitchFamily="34" charset="-120"/>
-                <a:ea typeface="微軟正黑體" panose="020B0604030504040204" pitchFamily="34" charset="-120"/>
-              </a:rPr>
-              <a:t>thows</a:t>
-            </a:r>
-            <a:r>
               <a:rPr lang="en-US" altLang="zh-TW" sz="1600" b="1" dirty="0">
                 <a:latin typeface="微軟正黑體" panose="020B0604030504040204" pitchFamily="34" charset="-120"/>
                 <a:ea typeface="微軟正黑體" panose="020B0604030504040204" pitchFamily="34" charset="-120"/>
               </a:rPr>
-              <a:t> </a:t>
+              <a:t>throws </a:t>
             </a:r>
             <a:r>
               <a:rPr lang="zh-TW" altLang="en-US" sz="1600" b="1" dirty="0">
@@ -15544,7 +15978,7 @@
         <p:spPr>
           <a:xfrm>
             <a:off x="4980587" y="4213414"/>
-            <a:ext cx="444446" cy="444446"/>
+            <a:ext cx="444446" cy="420730"/>
           </a:xfrm>
           <a:prstGeom prst="ellipse">
             <a:avLst/>
@@ -16664,4 +17098,299 @@
     </a:ext>
   </a:extLst>
 </a:theme>
+</file>
+
+<file path=ppt/theme/theme2.xml><?xml version="1.0" encoding="utf-8"?>
+<a:theme xmlns:a="http://schemas.openxmlformats.org/drawingml/2006/main" name="Office 佈景主題">
+  <a:themeElements>
+    <a:clrScheme name="Office">
+      <a:dk1>
+        <a:sysClr val="windowText" lastClr="000000"/>
+      </a:dk1>
+      <a:lt1>
+        <a:sysClr val="window" lastClr="FFFFFF"/>
+      </a:lt1>
+      <a:dk2>
+        <a:srgbClr val="44546A"/>
+      </a:dk2>
+      <a:lt2>
+        <a:srgbClr val="E7E6E6"/>
+      </a:lt2>
+      <a:accent1>
+        <a:srgbClr val="4472C4"/>
+      </a:accent1>
+      <a:accent2>
+        <a:srgbClr val="ED7D31"/>
+      </a:accent2>
+      <a:accent3>
+        <a:srgbClr val="A5A5A5"/>
+      </a:accent3>
+      <a:accent4>
+        <a:srgbClr val="FFC000"/>
+      </a:accent4>
+      <a:accent5>
+        <a:srgbClr val="5B9BD5"/>
+      </a:accent5>
+      <a:accent6>
+        <a:srgbClr val="70AD47"/>
+      </a:accent6>
+      <a:hlink>
+        <a:srgbClr val="0563C1"/>
+      </a:hlink>
+      <a:folHlink>
+        <a:srgbClr val="954F72"/>
+      </a:folHlink>
+    </a:clrScheme>
+    <a:fontScheme name="Office">
+      <a:majorFont>
+        <a:latin typeface="Calibri Light" panose="020F0302020204030204"/>
+        <a:ea typeface=""/>
+        <a:cs typeface=""/>
+        <a:font script="Jpan" typeface="游ゴシック Light"/>
+        <a:font script="Hang" typeface="맑은 고딕"/>
+        <a:font script="Hans" typeface="等线 Light"/>
+        <a:font script="Hant" typeface="新細明體"/>
+        <a:font script="Arab" typeface="Times New Roman"/>
+        <a:font script="Hebr" typeface="Times New Roman"/>
+        <a:font script="Thai" typeface="Angsana New"/>
+        <a:font script="Ethi" typeface="Nyala"/>
+        <a:font script="Beng" typeface="Vrinda"/>
+        <a:font script="Gujr" typeface="Shruti"/>
+        <a:font script="Khmr" typeface="MoolBoran"/>
+        <a:font script="Knda" typeface="Tunga"/>
+        <a:font script="Guru" typeface="Raavi"/>
+        <a:font script="Cans" typeface="Euphemia"/>
+        <a:font script="Cher" typeface="Plantagenet Cherokee"/>
+        <a:font script="Yiii" typeface="Microsoft Yi Baiti"/>
+        <a:font script="Tibt" typeface="Microsoft Himalaya"/>
+        <a:font script="Thaa" typeface="MV Boli"/>
+        <a:font script="Deva" typeface="Mangal"/>
+        <a:font script="Telu" typeface="Gautami"/>
+        <a:font script="Taml" typeface="Latha"/>
+        <a:font script="Syrc" typeface="Estrangelo Edessa"/>
+        <a:font script="Orya" typeface="Kalinga"/>
+        <a:font script="Mlym" typeface="Kartika"/>
+        <a:font script="Laoo" typeface="DokChampa"/>
+        <a:font script="Sinh" typeface="Iskoola Pota"/>
+        <a:font script="Mong" typeface="Mongolian Baiti"/>
+        <a:font script="Viet" typeface="Times New Roman"/>
+        <a:font script="Uigh" typeface="Microsoft Uighur"/>
+        <a:font script="Geor" typeface="Sylfaen"/>
+        <a:font script="Armn" typeface="Arial"/>
+        <a:font script="Bugi" typeface="Leelawadee UI"/>
+        <a:font script="Bopo" typeface="Microsoft JhengHei"/>
+        <a:font script="Java" typeface="Javanese Text"/>
+        <a:font script="Lisu" typeface="Segoe UI"/>
+        <a:font script="Mymr" typeface="Myanmar Text"/>
+        <a:font script="Nkoo" typeface="Ebrima"/>
+        <a:font script="Olck" typeface="Nirmala UI"/>
+        <a:font script="Osma" typeface="Ebrima"/>
+        <a:font script="Phag" typeface="Phagspa"/>
+        <a:font script="Syrn" typeface="Estrangelo Edessa"/>
+        <a:font script="Syrj" typeface="Estrangelo Edessa"/>
+        <a:font script="Syre" typeface="Estrangelo Edessa"/>
+        <a:font script="Sora" typeface="Nirmala UI"/>
+        <a:font script="Tale" typeface="Microsoft Tai Le"/>
+        <a:font script="Talu" typeface="Microsoft New Tai Lue"/>
+        <a:font script="Tfng" typeface="Ebrima"/>
+      </a:majorFont>
+      <a:minorFont>
+        <a:latin typeface="Calibri" panose="020F0502020204030204"/>
+        <a:ea typeface=""/>
+        <a:cs typeface=""/>
+        <a:font script="Jpan" typeface="游ゴシック"/>
+        <a:font script="Hang" typeface="맑은 고딕"/>
+        <a:font script="Hans" typeface="等线"/>
+        <a:font script="Hant" typeface="新細明體"/>
+        <a:font script="Arab" typeface="Arial"/>
+        <a:font script="Hebr" typeface="Arial"/>
+        <a:font script="Thai" typeface="Cordia New"/>
+        <a:font script="Ethi" typeface="Nyala"/>
+        <a:font script="Beng" typeface="Vrinda"/>
+        <a:font script="Gujr" typeface="Shruti"/>
+        <a:font script="Khmr" typeface="DaunPenh"/>
+        <a:font script="Knda" typeface="Tunga"/>
+        <a:font script="Guru" typeface="Raavi"/>
+        <a:font script="Cans" typeface="Euphemia"/>
+        <a:font script="Cher" typeface="Plantagenet Cherokee"/>
+        <a:font script="Yiii" typeface="Microsoft Yi Baiti"/>
+        <a:font script="Tibt" typeface="Microsoft Himalaya"/>
+        <a:font script="Thaa" typeface="MV Boli"/>
+        <a:font script="Deva" typeface="Mangal"/>
+        <a:font script="Telu" typeface="Gautami"/>
+        <a:font script="Taml" typeface="Latha"/>
+        <a:font script="Syrc" typeface="Estrangelo Edessa"/>
+        <a:font script="Orya" typeface="Kalinga"/>
+        <a:font script="Mlym" typeface="Kartika"/>
+        <a:font script="Laoo" typeface="DokChampa"/>
+        <a:font script="Sinh" typeface="Iskoola Pota"/>
+        <a:font script="Mong" typeface="Mongolian Baiti"/>
+        <a:font script="Viet" typeface="Arial"/>
+        <a:font script="Uigh" typeface="Microsoft Uighur"/>
+        <a:font script="Geor" typeface="Sylfaen"/>
+        <a:font script="Armn" typeface="Arial"/>
+        <a:font script="Bugi" typeface="Leelawadee UI"/>
+        <a:font script="Bopo" typeface="Microsoft JhengHei"/>
+        <a:font script="Java" typeface="Javanese Text"/>
+        <a:font script="Lisu" typeface="Segoe UI"/>
+        <a:font script="Mymr" typeface="Myanmar Text"/>
+        <a:font script="Nkoo" typeface="Ebrima"/>
+        <a:font script="Olck" typeface="Nirmala UI"/>
+        <a:font script="Osma" typeface="Ebrima"/>
+        <a:font script="Phag" typeface="Phagspa"/>
+        <a:font script="Syrn" typeface="Estrangelo Edessa"/>
+        <a:font script="Syrj" typeface="Estrangelo Edessa"/>
+        <a:font script="Syre" typeface="Estrangelo Edessa"/>
+        <a:font script="Sora" typeface="Nirmala UI"/>
+        <a:font script="Tale" typeface="Microsoft Tai Le"/>
+        <a:font script="Talu" typeface="Microsoft New Tai Lue"/>
+        <a:font script="Tfng" typeface="Ebrima"/>
+      </a:minorFont>
+    </a:fontScheme>
+    <a:fmtScheme name="Office">
+      <a:fillStyleLst>
+        <a:solidFill>
+          <a:schemeClr val="phClr"/>
+        </a:solidFill>
+        <a:gradFill rotWithShape="1">
+          <a:gsLst>
+            <a:gs pos="0">
+              <a:schemeClr val="phClr">
+                <a:lumMod val="110000"/>
+                <a:satMod val="105000"/>
+                <a:tint val="67000"/>
+              </a:schemeClr>
+            </a:gs>
+            <a:gs pos="50000">
+              <a:schemeClr val="phClr">
+                <a:lumMod val="105000"/>
+                <a:satMod val="103000"/>
+                <a:tint val="73000"/>
+              </a:schemeClr>
+            </a:gs>
+            <a:gs pos="100000">
+              <a:schemeClr val="phClr">
+                <a:lumMod val="105000"/>
+                <a:satMod val="109000"/>
+                <a:tint val="81000"/>
+              </a:schemeClr>
+            </a:gs>
+          </a:gsLst>
+          <a:lin ang="5400000" scaled="0"/>
+        </a:gradFill>
+        <a:gradFill rotWithShape="1">
+          <a:gsLst>
+            <a:gs pos="0">
+              <a:schemeClr val="phClr">
+                <a:satMod val="103000"/>
+                <a:lumMod val="102000"/>
+                <a:tint val="94000"/>
+              </a:schemeClr>
+            </a:gs>
+            <a:gs pos="50000">
+              <a:schemeClr val="phClr">
+                <a:satMod val="110000"/>
+                <a:lumMod val="100000"/>
+                <a:shade val="100000"/>
+              </a:schemeClr>
+            </a:gs>
+            <a:gs pos="100000">
+              <a:schemeClr val="phClr">
+                <a:lumMod val="99000"/>
+                <a:satMod val="120000"/>
+                <a:shade val="78000"/>
+              </a:schemeClr>
+            </a:gs>
+          </a:gsLst>
+          <a:lin ang="5400000" scaled="0"/>
+        </a:gradFill>
+      </a:fillStyleLst>
+      <a:lnStyleLst>
+        <a:ln w="6350" cap="flat" cmpd="sng" algn="ctr">
+          <a:solidFill>
+            <a:schemeClr val="phClr"/>
+          </a:solidFill>
+          <a:prstDash val="solid"/>
+          <a:miter lim="800000"/>
+        </a:ln>
+        <a:ln w="12700" cap="flat" cmpd="sng" algn="ctr">
+          <a:solidFill>
+            <a:schemeClr val="phClr"/>
+          </a:solidFill>
+          <a:prstDash val="solid"/>
+          <a:miter lim="800000"/>
+        </a:ln>
+        <a:ln w="19050" cap="flat" cmpd="sng" algn="ctr">
+          <a:solidFill>
+            <a:schemeClr val="phClr"/>
+          </a:solidFill>
+          <a:prstDash val="solid"/>
+          <a:miter lim="800000"/>
+        </a:ln>
+      </a:lnStyleLst>
+      <a:effectStyleLst>
+        <a:effectStyle>
+          <a:effectLst/>
+        </a:effectStyle>
+        <a:effectStyle>
+          <a:effectLst/>
+        </a:effectStyle>
+        <a:effectStyle>
+          <a:effectLst>
+            <a:outerShdw blurRad="57150" dist="19050" dir="5400000" algn="ctr" rotWithShape="0">
+              <a:srgbClr val="000000">
+                <a:alpha val="63000"/>
+              </a:srgbClr>
+            </a:outerShdw>
+          </a:effectLst>
+        </a:effectStyle>
+      </a:effectStyleLst>
+      <a:bgFillStyleLst>
+        <a:solidFill>
+          <a:schemeClr val="phClr"/>
+        </a:solidFill>
+        <a:solidFill>
+          <a:schemeClr val="phClr">
+            <a:tint val="95000"/>
+            <a:satMod val="170000"/>
+          </a:schemeClr>
+        </a:solidFill>
+        <a:gradFill rotWithShape="1">
+          <a:gsLst>
+            <a:gs pos="0">
+              <a:schemeClr val="phClr">
+                <a:tint val="93000"/>
+                <a:satMod val="150000"/>
+                <a:shade val="98000"/>
+                <a:lumMod val="102000"/>
+              </a:schemeClr>
+            </a:gs>
+            <a:gs pos="50000">
+              <a:schemeClr val="phClr">
+                <a:tint val="98000"/>
+                <a:satMod val="130000"/>
+                <a:shade val="90000"/>
+                <a:lumMod val="103000"/>
+              </a:schemeClr>
+            </a:gs>
+            <a:gs pos="100000">
+              <a:schemeClr val="phClr">
+                <a:shade val="63000"/>
+                <a:satMod val="120000"/>
+              </a:schemeClr>
+            </a:gs>
+          </a:gsLst>
+          <a:lin ang="5400000" scaled="0"/>
+        </a:gradFill>
+      </a:bgFillStyleLst>
+    </a:fmtScheme>
+  </a:themeElements>
+  <a:objectDefaults/>
+  <a:extraClrSchemeLst/>
+  <a:extLst>
+    <a:ext uri="{05A4C25C-085E-4340-85A3-A5531E510DB2}">
+      <thm15:themeFamily xmlns:thm15="http://schemas.microsoft.com/office/thememl/2012/main" name="Office Theme" id="{62F939B6-93AF-4DB8-9C6B-D6C7DFDC589F}" vid="{4A3C46E8-61CC-4603-A589-7422A47A8E4A}"/>
+    </a:ext>
+  </a:extLst>
+</a:theme>
 </file>
--- a/Java 相關/當前困境.pptx
+++ b/Java 相關/當前困境.pptx
@@ -10216,7 +10216,7 @@
           <a:p>
             <a:fld id="{8AAAAF8D-24D6-4DFE-B1B6-A4E2C7FDFD64}" type="datetimeFigureOut">
               <a:rPr lang="zh-TW" altLang="en-US" smtClean="0"/>
-              <a:t>2023/11/13</a:t>
+              <a:t>2023/11/14</a:t>
             </a:fld>
             <a:endParaRPr lang="zh-TW" altLang="en-US"/>
           </a:p>
@@ -10424,7 +10424,7 @@
           <a:p>
             <a:fld id="{8AAAAF8D-24D6-4DFE-B1B6-A4E2C7FDFD64}" type="datetimeFigureOut">
               <a:rPr lang="zh-TW" altLang="en-US" smtClean="0"/>
-              <a:t>2023/11/13</a:t>
+              <a:t>2023/11/14</a:t>
             </a:fld>
             <a:endParaRPr lang="zh-TW" altLang="en-US"/>
           </a:p>
@@ -10680,7 +10680,7 @@
           <a:p>
             <a:fld id="{8AAAAF8D-24D6-4DFE-B1B6-A4E2C7FDFD64}" type="datetimeFigureOut">
               <a:rPr lang="zh-TW" altLang="en-US" smtClean="0"/>
-              <a:t>2023/11/13</a:t>
+              <a:t>2023/11/14</a:t>
             </a:fld>
             <a:endParaRPr lang="zh-TW" altLang="en-US"/>
           </a:p>
@@ -10854,7 +10854,7 @@
           <a:p>
             <a:fld id="{8AAAAF8D-24D6-4DFE-B1B6-A4E2C7FDFD64}" type="datetimeFigureOut">
               <a:rPr lang="zh-TW" altLang="en-US" smtClean="0"/>
-              <a:t>2023/11/13</a:t>
+              <a:t>2023/11/14</a:t>
             </a:fld>
             <a:endParaRPr lang="zh-TW" altLang="en-US"/>
           </a:p>
@@ -11197,7 +11197,7 @@
           <a:p>
             <a:fld id="{8AAAAF8D-24D6-4DFE-B1B6-A4E2C7FDFD64}" type="datetimeFigureOut">
               <a:rPr lang="zh-TW" altLang="en-US" smtClean="0"/>
-              <a:t>2023/11/13</a:t>
+              <a:t>2023/11/14</a:t>
             </a:fld>
             <a:endParaRPr lang="zh-TW" altLang="en-US"/>
           </a:p>
@@ -11472,7 +11472,7 @@
           <a:p>
             <a:fld id="{8AAAAF8D-24D6-4DFE-B1B6-A4E2C7FDFD64}" type="datetimeFigureOut">
               <a:rPr lang="zh-TW" altLang="en-US" smtClean="0"/>
-              <a:t>2023/11/13</a:t>
+              <a:t>2023/11/14</a:t>
             </a:fld>
             <a:endParaRPr lang="zh-TW" altLang="en-US"/>
           </a:p>
@@ -11851,7 +11851,7 @@
           <a:p>
             <a:fld id="{8AAAAF8D-24D6-4DFE-B1B6-A4E2C7FDFD64}" type="datetimeFigureOut">
               <a:rPr lang="zh-TW" altLang="en-US" smtClean="0"/>
-              <a:t>2023/11/13</a:t>
+              <a:t>2023/11/14</a:t>
             </a:fld>
             <a:endParaRPr lang="zh-TW" altLang="en-US"/>
           </a:p>
@@ -11969,7 +11969,7 @@
           <a:p>
             <a:fld id="{8AAAAF8D-24D6-4DFE-B1B6-A4E2C7FDFD64}" type="datetimeFigureOut">
               <a:rPr lang="zh-TW" altLang="en-US" smtClean="0"/>
-              <a:t>2023/11/13</a:t>
+              <a:t>2023/11/14</a:t>
             </a:fld>
             <a:endParaRPr lang="zh-TW" altLang="en-US"/>
           </a:p>
@@ -12140,7 +12140,7 @@
           <a:p>
             <a:fld id="{8AAAAF8D-24D6-4DFE-B1B6-A4E2C7FDFD64}" type="datetimeFigureOut">
               <a:rPr lang="zh-TW" altLang="en-US" smtClean="0"/>
-              <a:t>2023/11/13</a:t>
+              <a:t>2023/11/14</a:t>
             </a:fld>
             <a:endParaRPr lang="zh-TW" altLang="en-US"/>
           </a:p>
@@ -12494,7 +12494,7 @@
           <a:p>
             <a:fld id="{8AAAAF8D-24D6-4DFE-B1B6-A4E2C7FDFD64}" type="datetimeFigureOut">
               <a:rPr lang="zh-TW" altLang="en-US" smtClean="0"/>
-              <a:t>2023/11/13</a:t>
+              <a:t>2023/11/14</a:t>
             </a:fld>
             <a:endParaRPr lang="zh-TW" altLang="en-US"/>
           </a:p>
@@ -12876,7 +12876,7 @@
           <a:p>
             <a:fld id="{8AAAAF8D-24D6-4DFE-B1B6-A4E2C7FDFD64}" type="datetimeFigureOut">
               <a:rPr lang="zh-TW" altLang="en-US" smtClean="0"/>
-              <a:t>2023/11/13</a:t>
+              <a:t>2023/11/14</a:t>
             </a:fld>
             <a:endParaRPr lang="zh-TW" altLang="en-US"/>
           </a:p>
@@ -13163,7 +13163,7 @@
           <a:p>
             <a:fld id="{8AAAAF8D-24D6-4DFE-B1B6-A4E2C7FDFD64}" type="datetimeFigureOut">
               <a:rPr lang="zh-TW" altLang="en-US" smtClean="0"/>
-              <a:t>2023/11/13</a:t>
+              <a:t>2023/11/14</a:t>
             </a:fld>
             <a:endParaRPr lang="zh-TW" altLang="en-US"/>
           </a:p>
